--- a/small-network-ppt.pptx
+++ b/small-network-ppt.pptx
@@ -304,7 +304,7 @@
           <a:p>
             <a:fld id="{F31AF32A-72FE-41A5-95CF-BDB481AE67B7}" type="datetimeFigureOut">
               <a:rPr lang="en-GB" smtClean="0"/>
-              <a:t>08/11/2020</a:t>
+              <a:t>09/11/2020</a:t>
             </a:fld>
             <a:endParaRPr lang="en-GB"/>
           </a:p>
@@ -504,7 +504,7 @@
           <a:p>
             <a:fld id="{F31AF32A-72FE-41A5-95CF-BDB481AE67B7}" type="datetimeFigureOut">
               <a:rPr lang="en-GB" smtClean="0"/>
-              <a:t>08/11/2020</a:t>
+              <a:t>09/11/2020</a:t>
             </a:fld>
             <a:endParaRPr lang="en-GB"/>
           </a:p>
@@ -714,7 +714,7 @@
           <a:p>
             <a:fld id="{F31AF32A-72FE-41A5-95CF-BDB481AE67B7}" type="datetimeFigureOut">
               <a:rPr lang="en-GB" smtClean="0"/>
-              <a:t>08/11/2020</a:t>
+              <a:t>09/11/2020</a:t>
             </a:fld>
             <a:endParaRPr lang="en-GB"/>
           </a:p>
@@ -914,7 +914,7 @@
           <a:p>
             <a:fld id="{F31AF32A-72FE-41A5-95CF-BDB481AE67B7}" type="datetimeFigureOut">
               <a:rPr lang="en-GB" smtClean="0"/>
-              <a:t>08/11/2020</a:t>
+              <a:t>09/11/2020</a:t>
             </a:fld>
             <a:endParaRPr lang="en-GB"/>
           </a:p>
@@ -1190,7 +1190,7 @@
           <a:p>
             <a:fld id="{F31AF32A-72FE-41A5-95CF-BDB481AE67B7}" type="datetimeFigureOut">
               <a:rPr lang="en-GB" smtClean="0"/>
-              <a:t>08/11/2020</a:t>
+              <a:t>09/11/2020</a:t>
             </a:fld>
             <a:endParaRPr lang="en-GB"/>
           </a:p>
@@ -1458,7 +1458,7 @@
           <a:p>
             <a:fld id="{F31AF32A-72FE-41A5-95CF-BDB481AE67B7}" type="datetimeFigureOut">
               <a:rPr lang="en-GB" smtClean="0"/>
-              <a:t>08/11/2020</a:t>
+              <a:t>09/11/2020</a:t>
             </a:fld>
             <a:endParaRPr lang="en-GB"/>
           </a:p>
@@ -1873,7 +1873,7 @@
           <a:p>
             <a:fld id="{F31AF32A-72FE-41A5-95CF-BDB481AE67B7}" type="datetimeFigureOut">
               <a:rPr lang="en-GB" smtClean="0"/>
-              <a:t>08/11/2020</a:t>
+              <a:t>09/11/2020</a:t>
             </a:fld>
             <a:endParaRPr lang="en-GB"/>
           </a:p>
@@ -2015,7 +2015,7 @@
           <a:p>
             <a:fld id="{F31AF32A-72FE-41A5-95CF-BDB481AE67B7}" type="datetimeFigureOut">
               <a:rPr lang="en-GB" smtClean="0"/>
-              <a:t>08/11/2020</a:t>
+              <a:t>09/11/2020</a:t>
             </a:fld>
             <a:endParaRPr lang="en-GB"/>
           </a:p>
@@ -2128,7 +2128,7 @@
           <a:p>
             <a:fld id="{F31AF32A-72FE-41A5-95CF-BDB481AE67B7}" type="datetimeFigureOut">
               <a:rPr lang="en-GB" smtClean="0"/>
-              <a:t>08/11/2020</a:t>
+              <a:t>09/11/2020</a:t>
             </a:fld>
             <a:endParaRPr lang="en-GB"/>
           </a:p>
@@ -2441,7 +2441,7 @@
           <a:p>
             <a:fld id="{F31AF32A-72FE-41A5-95CF-BDB481AE67B7}" type="datetimeFigureOut">
               <a:rPr lang="en-GB" smtClean="0"/>
-              <a:t>08/11/2020</a:t>
+              <a:t>09/11/2020</a:t>
             </a:fld>
             <a:endParaRPr lang="en-GB"/>
           </a:p>
@@ -2730,7 +2730,7 @@
           <a:p>
             <a:fld id="{F31AF32A-72FE-41A5-95CF-BDB481AE67B7}" type="datetimeFigureOut">
               <a:rPr lang="en-GB" smtClean="0"/>
-              <a:t>08/11/2020</a:t>
+              <a:t>09/11/2020</a:t>
             </a:fld>
             <a:endParaRPr lang="en-GB"/>
           </a:p>
@@ -2973,7 +2973,7 @@
           <a:p>
             <a:fld id="{F31AF32A-72FE-41A5-95CF-BDB481AE67B7}" type="datetimeFigureOut">
               <a:rPr lang="en-GB" smtClean="0"/>
-              <a:t>08/11/2020</a:t>
+              <a:t>09/11/2020</a:t>
             </a:fld>
             <a:endParaRPr lang="en-GB"/>
           </a:p>
@@ -3497,7 +3497,7 @@
               <a:rPr lang="es-ES" dirty="0">
                 <a:latin typeface="Georgia" panose="02040502050405020303" pitchFamily="18" charset="0"/>
               </a:rPr>
-              <a:t>Jaume Colom Hernandez</a:t>
+              <a:t>Jaume Colom – Dimitris Lagos</a:t>
             </a:r>
           </a:p>
           <a:p>
@@ -3505,7 +3505,7 @@
               <a:rPr lang="es-ES" dirty="0">
                 <a:latin typeface="Georgia" panose="02040502050405020303" pitchFamily="18" charset="0"/>
               </a:rPr>
-              <a:t>03/11/2020</a:t>
+              <a:t>09/11/2020</a:t>
             </a:r>
             <a:endParaRPr lang="en-GB" dirty="0">
               <a:latin typeface="Georgia" panose="02040502050405020303" pitchFamily="18" charset="0"/>
@@ -3727,8 +3727,8 @@
           </a:p>
         </p:txBody>
       </p:sp>
-      <mc:AlternateContent xmlns:mc="http://schemas.openxmlformats.org/markup-compatibility/2006">
-        <mc:Choice xmlns:a14="http://schemas.microsoft.com/office/drawing/2010/main" Requires="a14">
+      <mc:AlternateContent xmlns:mc="http://schemas.openxmlformats.org/markup-compatibility/2006" xmlns:a14="http://schemas.microsoft.com/office/drawing/2010/main">
+        <mc:Choice Requires="a14">
           <p:sp>
             <p:nvSpPr>
               <p:cNvPr id="15" name="Rectangle 14">
@@ -3981,7 +3981,7 @@
             </p:txBody>
           </p:sp>
         </mc:Choice>
-        <mc:Fallback>
+        <mc:Fallback xmlns="">
           <p:sp>
             <p:nvSpPr>
               <p:cNvPr id="15" name="Rectangle 14">
@@ -4031,8 +4031,8 @@
           </p:sp>
         </mc:Fallback>
       </mc:AlternateContent>
-      <mc:AlternateContent xmlns:mc="http://schemas.openxmlformats.org/markup-compatibility/2006">
-        <mc:Choice xmlns:a14="http://schemas.microsoft.com/office/drawing/2010/main" Requires="a14">
+      <mc:AlternateContent xmlns:mc="http://schemas.openxmlformats.org/markup-compatibility/2006" xmlns:a14="http://schemas.microsoft.com/office/drawing/2010/main">
+        <mc:Choice Requires="a14">
           <p:sp>
             <p:nvSpPr>
               <p:cNvPr id="16" name="Rectangle 15">
@@ -4285,7 +4285,7 @@
             </p:txBody>
           </p:sp>
         </mc:Choice>
-        <mc:Fallback>
+        <mc:Fallback xmlns="">
           <p:sp>
             <p:nvSpPr>
               <p:cNvPr id="16" name="Rectangle 15">
@@ -4335,8 +4335,8 @@
           </p:sp>
         </mc:Fallback>
       </mc:AlternateContent>
-      <mc:AlternateContent xmlns:mc="http://schemas.openxmlformats.org/markup-compatibility/2006">
-        <mc:Choice xmlns:a14="http://schemas.microsoft.com/office/drawing/2010/main" Requires="a14">
+      <mc:AlternateContent xmlns:mc="http://schemas.openxmlformats.org/markup-compatibility/2006" xmlns:a14="http://schemas.microsoft.com/office/drawing/2010/main">
+        <mc:Choice Requires="a14">
           <p:sp>
             <p:nvSpPr>
               <p:cNvPr id="17" name="Rectangle 16">
@@ -4437,7 +4437,7 @@
             </p:txBody>
           </p:sp>
         </mc:Choice>
-        <mc:Fallback>
+        <mc:Fallback xmlns="">
           <p:sp>
             <p:nvSpPr>
               <p:cNvPr id="17" name="Rectangle 16">
@@ -4678,8 +4678,8 @@
           </a:p>
         </p:txBody>
       </p:sp>
-      <mc:AlternateContent xmlns:mc="http://schemas.openxmlformats.org/markup-compatibility/2006">
-        <mc:Choice xmlns:a14="http://schemas.microsoft.com/office/drawing/2010/main" Requires="a14">
+      <mc:AlternateContent xmlns:mc="http://schemas.openxmlformats.org/markup-compatibility/2006" xmlns:a14="http://schemas.microsoft.com/office/drawing/2010/main">
+        <mc:Choice Requires="a14">
           <p:sp>
             <p:nvSpPr>
               <p:cNvPr id="15" name="Rectangle 14">
@@ -4932,7 +4932,7 @@
             </p:txBody>
           </p:sp>
         </mc:Choice>
-        <mc:Fallback>
+        <mc:Fallback xmlns="">
           <p:sp>
             <p:nvSpPr>
               <p:cNvPr id="15" name="Rectangle 14">
@@ -4982,8 +4982,8 @@
           </p:sp>
         </mc:Fallback>
       </mc:AlternateContent>
-      <mc:AlternateContent xmlns:mc="http://schemas.openxmlformats.org/markup-compatibility/2006">
-        <mc:Choice xmlns:a14="http://schemas.microsoft.com/office/drawing/2010/main" Requires="a14">
+      <mc:AlternateContent xmlns:mc="http://schemas.openxmlformats.org/markup-compatibility/2006" xmlns:a14="http://schemas.microsoft.com/office/drawing/2010/main">
+        <mc:Choice Requires="a14">
           <p:sp>
             <p:nvSpPr>
               <p:cNvPr id="16" name="Rectangle 15">
@@ -5236,7 +5236,7 @@
             </p:txBody>
           </p:sp>
         </mc:Choice>
-        <mc:Fallback>
+        <mc:Fallback xmlns="">
           <p:sp>
             <p:nvSpPr>
               <p:cNvPr id="16" name="Rectangle 15">
@@ -5286,8 +5286,8 @@
           </p:sp>
         </mc:Fallback>
       </mc:AlternateContent>
-      <mc:AlternateContent xmlns:mc="http://schemas.openxmlformats.org/markup-compatibility/2006">
-        <mc:Choice xmlns:a14="http://schemas.microsoft.com/office/drawing/2010/main" Requires="a14">
+      <mc:AlternateContent xmlns:mc="http://schemas.openxmlformats.org/markup-compatibility/2006" xmlns:a14="http://schemas.microsoft.com/office/drawing/2010/main">
+        <mc:Choice Requires="a14">
           <p:sp>
             <p:nvSpPr>
               <p:cNvPr id="17" name="Rectangle 16">
@@ -5388,7 +5388,7 @@
             </p:txBody>
           </p:sp>
         </mc:Choice>
-        <mc:Fallback>
+        <mc:Fallback xmlns="">
           <p:sp>
             <p:nvSpPr>
               <p:cNvPr id="17" name="Rectangle 16">
@@ -5591,8 +5591,8 @@
           </a:prstGeom>
         </p:spPr>
       </p:pic>
-      <mc:AlternateContent xmlns:mc="http://schemas.openxmlformats.org/markup-compatibility/2006">
-        <mc:Choice xmlns:a14="http://schemas.microsoft.com/office/drawing/2010/main" Requires="a14">
+      <mc:AlternateContent xmlns:mc="http://schemas.openxmlformats.org/markup-compatibility/2006" xmlns:a14="http://schemas.microsoft.com/office/drawing/2010/main">
+        <mc:Choice Requires="a14">
           <p:sp>
             <p:nvSpPr>
               <p:cNvPr id="5" name="Rectangle 4">
@@ -5679,7 +5679,7 @@
             </p:txBody>
           </p:sp>
         </mc:Choice>
-        <mc:Fallback>
+        <mc:Fallback xmlns="">
           <p:sp>
             <p:nvSpPr>
               <p:cNvPr id="5" name="Rectangle 4">
@@ -5879,8 +5879,8 @@
           </a:p>
         </p:txBody>
       </p:sp>
-      <mc:AlternateContent xmlns:mc="http://schemas.openxmlformats.org/markup-compatibility/2006">
-        <mc:Choice xmlns:a14="http://schemas.microsoft.com/office/drawing/2010/main" Requires="a14">
+      <mc:AlternateContent xmlns:mc="http://schemas.openxmlformats.org/markup-compatibility/2006" xmlns:a14="http://schemas.microsoft.com/office/drawing/2010/main">
+        <mc:Choice Requires="a14">
           <p:sp>
             <p:nvSpPr>
               <p:cNvPr id="15" name="Rectangle 14">
@@ -6133,7 +6133,7 @@
             </p:txBody>
           </p:sp>
         </mc:Choice>
-        <mc:Fallback>
+        <mc:Fallback xmlns="">
           <p:sp>
             <p:nvSpPr>
               <p:cNvPr id="15" name="Rectangle 14">
@@ -6183,8 +6183,8 @@
           </p:sp>
         </mc:Fallback>
       </mc:AlternateContent>
-      <mc:AlternateContent xmlns:mc="http://schemas.openxmlformats.org/markup-compatibility/2006">
-        <mc:Choice xmlns:a14="http://schemas.microsoft.com/office/drawing/2010/main" Requires="a14">
+      <mc:AlternateContent xmlns:mc="http://schemas.openxmlformats.org/markup-compatibility/2006" xmlns:a14="http://schemas.microsoft.com/office/drawing/2010/main">
+        <mc:Choice Requires="a14">
           <p:sp>
             <p:nvSpPr>
               <p:cNvPr id="16" name="Rectangle 15">
@@ -6437,7 +6437,7 @@
             </p:txBody>
           </p:sp>
         </mc:Choice>
-        <mc:Fallback>
+        <mc:Fallback xmlns="">
           <p:sp>
             <p:nvSpPr>
               <p:cNvPr id="16" name="Rectangle 15">
@@ -6487,8 +6487,8 @@
           </p:sp>
         </mc:Fallback>
       </mc:AlternateContent>
-      <mc:AlternateContent xmlns:mc="http://schemas.openxmlformats.org/markup-compatibility/2006">
-        <mc:Choice xmlns:a14="http://schemas.microsoft.com/office/drawing/2010/main" Requires="a14">
+      <mc:AlternateContent xmlns:mc="http://schemas.openxmlformats.org/markup-compatibility/2006" xmlns:a14="http://schemas.microsoft.com/office/drawing/2010/main">
+        <mc:Choice Requires="a14">
           <p:sp>
             <p:nvSpPr>
               <p:cNvPr id="17" name="Rectangle 16">
@@ -6589,7 +6589,7 @@
             </p:txBody>
           </p:sp>
         </mc:Choice>
-        <mc:Fallback>
+        <mc:Fallback xmlns="">
           <p:sp>
             <p:nvSpPr>
               <p:cNvPr id="17" name="Rectangle 16">
@@ -6868,8 +6868,8 @@
           </a:p>
         </p:txBody>
       </p:sp>
-      <mc:AlternateContent xmlns:mc="http://schemas.openxmlformats.org/markup-compatibility/2006">
-        <mc:Choice xmlns:a14="http://schemas.microsoft.com/office/drawing/2010/main" Requires="a14">
+      <mc:AlternateContent xmlns:mc="http://schemas.openxmlformats.org/markup-compatibility/2006" xmlns:a14="http://schemas.microsoft.com/office/drawing/2010/main">
+        <mc:Choice Requires="a14">
           <p:sp>
             <p:nvSpPr>
               <p:cNvPr id="15" name="Rectangle 14">
@@ -7122,7 +7122,7 @@
             </p:txBody>
           </p:sp>
         </mc:Choice>
-        <mc:Fallback>
+        <mc:Fallback xmlns="">
           <p:sp>
             <p:nvSpPr>
               <p:cNvPr id="15" name="Rectangle 14">
@@ -7172,8 +7172,8 @@
           </p:sp>
         </mc:Fallback>
       </mc:AlternateContent>
-      <mc:AlternateContent xmlns:mc="http://schemas.openxmlformats.org/markup-compatibility/2006">
-        <mc:Choice xmlns:a14="http://schemas.microsoft.com/office/drawing/2010/main" Requires="a14">
+      <mc:AlternateContent xmlns:mc="http://schemas.openxmlformats.org/markup-compatibility/2006" xmlns:a14="http://schemas.microsoft.com/office/drawing/2010/main">
+        <mc:Choice Requires="a14">
           <p:sp>
             <p:nvSpPr>
               <p:cNvPr id="16" name="Rectangle 15">
@@ -7426,7 +7426,7 @@
             </p:txBody>
           </p:sp>
         </mc:Choice>
-        <mc:Fallback>
+        <mc:Fallback xmlns="">
           <p:sp>
             <p:nvSpPr>
               <p:cNvPr id="16" name="Rectangle 15">
@@ -7476,8 +7476,8 @@
           </p:sp>
         </mc:Fallback>
       </mc:AlternateContent>
-      <mc:AlternateContent xmlns:mc="http://schemas.openxmlformats.org/markup-compatibility/2006">
-        <mc:Choice xmlns:a14="http://schemas.microsoft.com/office/drawing/2010/main" Requires="a14">
+      <mc:AlternateContent xmlns:mc="http://schemas.openxmlformats.org/markup-compatibility/2006" xmlns:a14="http://schemas.microsoft.com/office/drawing/2010/main">
+        <mc:Choice Requires="a14">
           <p:sp>
             <p:nvSpPr>
               <p:cNvPr id="17" name="Rectangle 16">
@@ -7578,7 +7578,7 @@
             </p:txBody>
           </p:sp>
         </mc:Choice>
-        <mc:Fallback>
+        <mc:Fallback xmlns="">
           <p:sp>
             <p:nvSpPr>
               <p:cNvPr id="17" name="Rectangle 16">
@@ -9226,8 +9226,8 @@
         </p:nvSpPr>
         <p:spPr>
           <a:xfrm>
-            <a:off x="391608" y="6152321"/>
-            <a:ext cx="12540343" cy="523220"/>
+            <a:off x="708849" y="6338986"/>
+            <a:ext cx="12540343" cy="307777"/>
           </a:xfrm>
           <a:prstGeom prst="rect">
             <a:avLst/>
@@ -9250,7 +9250,7 @@
                 <a:latin typeface="Arial" panose="020B0604020202020204" pitchFamily="34" charset="0"/>
                 <a:cs typeface="Arial" panose="020B0604020202020204" pitchFamily="34" charset="0"/>
               </a:rPr>
-              <a:t>[2] Abarbanel, H.D.I. and </a:t>
+              <a:t>[2] K. P. M </a:t>
             </a:r>
             <a:r>
               <a:rPr lang="en-US" sz="1400" dirty="0" err="1">
@@ -9262,7 +9262,7 @@
                 <a:latin typeface="Arial" panose="020B0604020202020204" pitchFamily="34" charset="0"/>
                 <a:cs typeface="Arial" panose="020B0604020202020204" pitchFamily="34" charset="0"/>
               </a:rPr>
-              <a:t>Selverston</a:t>
+              <a:t>Tsodyks</a:t>
             </a:r>
             <a:r>
               <a:rPr lang="en-US" sz="1400" dirty="0">
@@ -9274,7 +9274,7 @@
                 <a:latin typeface="Arial" panose="020B0604020202020204" pitchFamily="34" charset="0"/>
                 <a:cs typeface="Arial" panose="020B0604020202020204" pitchFamily="34" charset="0"/>
               </a:rPr>
-              <a:t>, A. and Huerta, Ramón and </a:t>
+              <a:t> and H. </a:t>
             </a:r>
             <a:r>
               <a:rPr lang="en-US" sz="1400" dirty="0" err="1">
@@ -9286,7 +9286,7 @@
                 <a:latin typeface="Arial" panose="020B0604020202020204" pitchFamily="34" charset="0"/>
                 <a:cs typeface="Arial" panose="020B0604020202020204" pitchFamily="34" charset="0"/>
               </a:rPr>
-              <a:t>Bazhenov</a:t>
+              <a:t>Markram</a:t>
             </a:r>
             <a:r>
               <a:rPr lang="en-US" sz="1400" dirty="0">
@@ -9298,189 +9298,7 @@
                 <a:latin typeface="Arial" panose="020B0604020202020204" pitchFamily="34" charset="0"/>
                 <a:cs typeface="Arial" panose="020B0604020202020204" pitchFamily="34" charset="0"/>
               </a:rPr>
-              <a:t>, Maxim and </a:t>
-            </a:r>
-            <a:r>
-              <a:rPr lang="en-US" sz="1400" dirty="0" err="1">
-                <a:solidFill>
-                  <a:schemeClr val="bg2">
-                    <a:lumMod val="50000"/>
-                  </a:schemeClr>
-                </a:solidFill>
-                <a:latin typeface="Arial" panose="020B0604020202020204" pitchFamily="34" charset="0"/>
-                <a:cs typeface="Arial" panose="020B0604020202020204" pitchFamily="34" charset="0"/>
-              </a:rPr>
-              <a:t>Sushchik</a:t>
-            </a:r>
-            <a:r>
-              <a:rPr lang="en-US" sz="1400" dirty="0">
-                <a:solidFill>
-                  <a:schemeClr val="bg2">
-                    <a:lumMod val="50000"/>
-                  </a:schemeClr>
-                </a:solidFill>
-                <a:latin typeface="Arial" panose="020B0604020202020204" pitchFamily="34" charset="0"/>
-                <a:cs typeface="Arial" panose="020B0604020202020204" pitchFamily="34" charset="0"/>
-              </a:rPr>
-              <a:t>, M.M. and </a:t>
-            </a:r>
-            <a:r>
-              <a:rPr lang="en-US" sz="1400" dirty="0" err="1">
-                <a:solidFill>
-                  <a:schemeClr val="bg2">
-                    <a:lumMod val="50000"/>
-                  </a:schemeClr>
-                </a:solidFill>
-                <a:latin typeface="Arial" panose="020B0604020202020204" pitchFamily="34" charset="0"/>
-                <a:cs typeface="Arial" panose="020B0604020202020204" pitchFamily="34" charset="0"/>
-              </a:rPr>
-              <a:t>Rubchinskiǐ</a:t>
-            </a:r>
-            <a:r>
-              <a:rPr lang="en-US" sz="1400" dirty="0">
-                <a:solidFill>
-                  <a:schemeClr val="bg2">
-                    <a:lumMod val="50000"/>
-                  </a:schemeClr>
-                </a:solidFill>
-                <a:latin typeface="Arial" panose="020B0604020202020204" pitchFamily="34" charset="0"/>
-                <a:cs typeface="Arial" panose="020B0604020202020204" pitchFamily="34" charset="0"/>
-              </a:rPr>
-              <a:t>, L.L. and </a:t>
-            </a:r>
-            <a:r>
-              <a:rPr lang="en-US" sz="1400" dirty="0" err="1">
-                <a:solidFill>
-                  <a:schemeClr val="bg2">
-                    <a:lumMod val="50000"/>
-                  </a:schemeClr>
-                </a:solidFill>
-                <a:latin typeface="Arial" panose="020B0604020202020204" pitchFamily="34" charset="0"/>
-                <a:cs typeface="Arial" panose="020B0604020202020204" pitchFamily="34" charset="0"/>
-              </a:rPr>
-              <a:t>Rabinovich</a:t>
-            </a:r>
-            <a:r>
-              <a:rPr lang="en-US" sz="1400" dirty="0">
-                <a:solidFill>
-                  <a:schemeClr val="bg2">
-                    <a:lumMod val="50000"/>
-                  </a:schemeClr>
-                </a:solidFill>
-                <a:latin typeface="Arial" panose="020B0604020202020204" pitchFamily="34" charset="0"/>
-                <a:cs typeface="Arial" panose="020B0604020202020204" pitchFamily="34" charset="0"/>
-              </a:rPr>
-              <a:t>, </a:t>
-            </a:r>
-          </a:p>
-          <a:p>
-            <a:r>
-              <a:rPr lang="en-US" sz="1400" dirty="0">
-                <a:solidFill>
-                  <a:schemeClr val="bg2">
-                    <a:lumMod val="50000"/>
-                  </a:schemeClr>
-                </a:solidFill>
-                <a:latin typeface="Arial" panose="020B0604020202020204" pitchFamily="34" charset="0"/>
-                <a:cs typeface="Arial" panose="020B0604020202020204" pitchFamily="34" charset="0"/>
-              </a:rPr>
-              <a:t>Mikhail “</a:t>
-            </a:r>
-            <a:r>
-              <a:rPr lang="en-US" sz="1400" dirty="0" err="1">
-                <a:solidFill>
-                  <a:schemeClr val="bg2">
-                    <a:lumMod val="50000"/>
-                  </a:schemeClr>
-                </a:solidFill>
-                <a:latin typeface="Arial" panose="020B0604020202020204" pitchFamily="34" charset="0"/>
-                <a:cs typeface="Arial" panose="020B0604020202020204" pitchFamily="34" charset="0"/>
-              </a:rPr>
-              <a:t>Synchronisation</a:t>
-            </a:r>
-            <a:r>
-              <a:rPr lang="en-US" sz="1400" dirty="0">
-                <a:solidFill>
-                  <a:schemeClr val="bg2">
-                    <a:lumMod val="50000"/>
-                  </a:schemeClr>
-                </a:solidFill>
-                <a:latin typeface="Arial" panose="020B0604020202020204" pitchFamily="34" charset="0"/>
-                <a:cs typeface="Arial" panose="020B0604020202020204" pitchFamily="34" charset="0"/>
-              </a:rPr>
-              <a:t> in neural assemblies	” </a:t>
-            </a:r>
-            <a:r>
-              <a:rPr lang="en-US" sz="1400" dirty="0" err="1">
-                <a:solidFill>
-                  <a:schemeClr val="bg2">
-                    <a:lumMod val="50000"/>
-                  </a:schemeClr>
-                </a:solidFill>
-                <a:latin typeface="Arial" panose="020B0604020202020204" pitchFamily="34" charset="0"/>
-                <a:cs typeface="Arial" panose="020B0604020202020204" pitchFamily="34" charset="0"/>
-              </a:rPr>
-              <a:t>Uspekhi</a:t>
-            </a:r>
-            <a:r>
-              <a:rPr lang="en-US" sz="1400" dirty="0">
-                <a:solidFill>
-                  <a:schemeClr val="bg2">
-                    <a:lumMod val="50000"/>
-                  </a:schemeClr>
-                </a:solidFill>
-                <a:latin typeface="Arial" panose="020B0604020202020204" pitchFamily="34" charset="0"/>
-                <a:cs typeface="Arial" panose="020B0604020202020204" pitchFamily="34" charset="0"/>
-              </a:rPr>
-              <a:t> </a:t>
-            </a:r>
-            <a:r>
-              <a:rPr lang="en-US" sz="1400" dirty="0" err="1">
-                <a:solidFill>
-                  <a:schemeClr val="bg2">
-                    <a:lumMod val="50000"/>
-                  </a:schemeClr>
-                </a:solidFill>
-                <a:latin typeface="Arial" panose="020B0604020202020204" pitchFamily="34" charset="0"/>
-                <a:cs typeface="Arial" panose="020B0604020202020204" pitchFamily="34" charset="0"/>
-              </a:rPr>
-              <a:t>Fizicheskikh</a:t>
-            </a:r>
-            <a:r>
-              <a:rPr lang="en-US" sz="1400" dirty="0">
-                <a:solidFill>
-                  <a:schemeClr val="bg2">
-                    <a:lumMod val="50000"/>
-                  </a:schemeClr>
-                </a:solidFill>
-                <a:latin typeface="Arial" panose="020B0604020202020204" pitchFamily="34" charset="0"/>
-                <a:cs typeface="Arial" panose="020B0604020202020204" pitchFamily="34" charset="0"/>
-              </a:rPr>
-              <a:t> </a:t>
-            </a:r>
-            <a:r>
-              <a:rPr lang="en-US" sz="1400" dirty="0" err="1">
-                <a:solidFill>
-                  <a:schemeClr val="bg2">
-                    <a:lumMod val="50000"/>
-                  </a:schemeClr>
-                </a:solidFill>
-                <a:latin typeface="Arial" panose="020B0604020202020204" pitchFamily="34" charset="0"/>
-                <a:cs typeface="Arial" panose="020B0604020202020204" pitchFamily="34" charset="0"/>
-              </a:rPr>
-              <a:t>Nauk</a:t>
-            </a:r>
-            <a:r>
-              <a:rPr lang="en-US" sz="1400" dirty="0">
-                <a:solidFill>
-                  <a:schemeClr val="bg2">
-                    <a:lumMod val="50000"/>
-                  </a:schemeClr>
-                </a:solidFill>
-                <a:latin typeface="Arial" panose="020B0604020202020204" pitchFamily="34" charset="0"/>
-                <a:cs typeface="Arial" panose="020B0604020202020204" pitchFamily="34" charset="0"/>
-              </a:rPr>
-              <a:t>, vol. 166, pp. 389-390, 1996.</a:t>
+              <a:t>, “Neural networks with dynamic synapses,” NLM-ME May 1998.</a:t>
             </a:r>
           </a:p>
         </p:txBody>
@@ -9702,8 +9520,8 @@
             <a:chExt cx="9435104" cy="3351009"/>
           </a:xfrm>
         </p:grpSpPr>
-        <mc:AlternateContent xmlns:mc="http://schemas.openxmlformats.org/markup-compatibility/2006">
-          <mc:Choice xmlns:a14="http://schemas.microsoft.com/office/drawing/2010/main" Requires="a14">
+        <mc:AlternateContent xmlns:mc="http://schemas.openxmlformats.org/markup-compatibility/2006" xmlns:a14="http://schemas.microsoft.com/office/drawing/2010/main">
+          <mc:Choice Requires="a14">
             <p:sp>
               <p:nvSpPr>
                 <p:cNvPr id="6" name="Rectangle 5">
@@ -9956,7 +9774,7 @@
               </p:txBody>
             </p:sp>
           </mc:Choice>
-          <mc:Fallback>
+          <mc:Fallback xmlns="">
             <p:sp>
               <p:nvSpPr>
                 <p:cNvPr id="6" name="Rectangle 5">
@@ -10006,8 +9824,8 @@
             </p:sp>
           </mc:Fallback>
         </mc:AlternateContent>
-        <mc:AlternateContent xmlns:mc="http://schemas.openxmlformats.org/markup-compatibility/2006">
-          <mc:Choice xmlns:a14="http://schemas.microsoft.com/office/drawing/2010/main" Requires="a14">
+        <mc:AlternateContent xmlns:mc="http://schemas.openxmlformats.org/markup-compatibility/2006" xmlns:a14="http://schemas.microsoft.com/office/drawing/2010/main">
+          <mc:Choice Requires="a14">
             <p:sp>
               <p:nvSpPr>
                 <p:cNvPr id="7" name="Rectangle 6">
@@ -10260,7 +10078,7 @@
               </p:txBody>
             </p:sp>
           </mc:Choice>
-          <mc:Fallback>
+          <mc:Fallback xmlns="">
             <p:sp>
               <p:nvSpPr>
                 <p:cNvPr id="7" name="Rectangle 6">
@@ -10310,8 +10128,8 @@
             </p:sp>
           </mc:Fallback>
         </mc:AlternateContent>
-        <mc:AlternateContent xmlns:mc="http://schemas.openxmlformats.org/markup-compatibility/2006">
-          <mc:Choice xmlns:a14="http://schemas.microsoft.com/office/drawing/2010/main" Requires="a14">
+        <mc:AlternateContent xmlns:mc="http://schemas.openxmlformats.org/markup-compatibility/2006" xmlns:a14="http://schemas.microsoft.com/office/drawing/2010/main">
+          <mc:Choice Requires="a14">
             <p:sp>
               <p:nvSpPr>
                 <p:cNvPr id="8" name="Rectangle 7">
@@ -10412,7 +10230,7 @@
               </p:txBody>
             </p:sp>
           </mc:Choice>
-          <mc:Fallback>
+          <mc:Fallback xmlns="">
             <p:sp>
               <p:nvSpPr>
                 <p:cNvPr id="8" name="Rectangle 7">
@@ -10585,8 +10403,8 @@
             </a:fontRef>
           </p:style>
         </p:cxnSp>
-        <mc:AlternateContent xmlns:mc="http://schemas.openxmlformats.org/markup-compatibility/2006">
-          <mc:Choice xmlns:a14="http://schemas.microsoft.com/office/drawing/2010/main" Requires="a14">
+        <mc:AlternateContent xmlns:mc="http://schemas.openxmlformats.org/markup-compatibility/2006" xmlns:a14="http://schemas.microsoft.com/office/drawing/2010/main">
+          <mc:Choice Requires="a14">
             <p:sp>
               <p:nvSpPr>
                 <p:cNvPr id="4" name="Rectangle 3">
@@ -10689,7 +10507,7 @@
               </p:txBody>
             </p:sp>
           </mc:Choice>
-          <mc:Fallback>
+          <mc:Fallback xmlns="">
             <p:sp>
               <p:nvSpPr>
                 <p:cNvPr id="4" name="Rectangle 3">
@@ -10737,8 +10555,8 @@
             </p:sp>
           </mc:Fallback>
         </mc:AlternateContent>
-        <mc:AlternateContent xmlns:mc="http://schemas.openxmlformats.org/markup-compatibility/2006">
-          <mc:Choice xmlns:a14="http://schemas.microsoft.com/office/drawing/2010/main" Requires="a14">
+        <mc:AlternateContent xmlns:mc="http://schemas.openxmlformats.org/markup-compatibility/2006" xmlns:a14="http://schemas.microsoft.com/office/drawing/2010/main">
+          <mc:Choice Requires="a14">
             <p:sp>
               <p:nvSpPr>
                 <p:cNvPr id="14" name="Rectangle 13">
@@ -10858,7 +10676,7 @@
               </p:txBody>
             </p:sp>
           </mc:Choice>
-          <mc:Fallback>
+          <mc:Fallback xmlns="">
             <p:sp>
               <p:nvSpPr>
                 <p:cNvPr id="14" name="Rectangle 13">
@@ -10907,8 +10725,8 @@
           </mc:Fallback>
         </mc:AlternateContent>
       </p:grpSp>
-      <mc:AlternateContent xmlns:mc="http://schemas.openxmlformats.org/markup-compatibility/2006">
-        <mc:Choice xmlns:a14="http://schemas.microsoft.com/office/drawing/2010/main" Requires="a14">
+      <mc:AlternateContent xmlns:mc="http://schemas.openxmlformats.org/markup-compatibility/2006" xmlns:a14="http://schemas.microsoft.com/office/drawing/2010/main">
+        <mc:Choice Requires="a14">
           <p:sp>
             <p:nvSpPr>
               <p:cNvPr id="17" name="Rectangle 16">
@@ -11025,7 +10843,7 @@
             </p:txBody>
           </p:sp>
         </mc:Choice>
-        <mc:Fallback>
+        <mc:Fallback xmlns="">
           <p:sp>
             <p:nvSpPr>
               <p:cNvPr id="17" name="Rectangle 16">
@@ -11073,8 +10891,8 @@
           </p:sp>
         </mc:Fallback>
       </mc:AlternateContent>
-      <mc:AlternateContent xmlns:mc="http://schemas.openxmlformats.org/markup-compatibility/2006">
-        <mc:Choice xmlns:a14="http://schemas.microsoft.com/office/drawing/2010/main" Requires="a14">
+      <mc:AlternateContent xmlns:mc="http://schemas.openxmlformats.org/markup-compatibility/2006" xmlns:a14="http://schemas.microsoft.com/office/drawing/2010/main">
+        <mc:Choice Requires="a14">
           <p:sp>
             <p:nvSpPr>
               <p:cNvPr id="19" name="Rectangle 18">
@@ -11191,7 +11009,7 @@
             </p:txBody>
           </p:sp>
         </mc:Choice>
-        <mc:Fallback>
+        <mc:Fallback xmlns="">
           <p:sp>
             <p:nvSpPr>
               <p:cNvPr id="19" name="Rectangle 18">
@@ -11487,8 +11305,8 @@
             <a:chExt cx="9664405" cy="3351009"/>
           </a:xfrm>
         </p:grpSpPr>
-        <mc:AlternateContent xmlns:mc="http://schemas.openxmlformats.org/markup-compatibility/2006">
-          <mc:Choice xmlns:a14="http://schemas.microsoft.com/office/drawing/2010/main" Requires="a14">
+        <mc:AlternateContent xmlns:mc="http://schemas.openxmlformats.org/markup-compatibility/2006" xmlns:a14="http://schemas.microsoft.com/office/drawing/2010/main">
+          <mc:Choice Requires="a14">
             <p:sp>
               <p:nvSpPr>
                 <p:cNvPr id="6" name="Rectangle 5">
@@ -11741,7 +11559,7 @@
               </p:txBody>
             </p:sp>
           </mc:Choice>
-          <mc:Fallback>
+          <mc:Fallback xmlns="">
             <p:sp>
               <p:nvSpPr>
                 <p:cNvPr id="6" name="Rectangle 5">
@@ -11791,8 +11609,8 @@
             </p:sp>
           </mc:Fallback>
         </mc:AlternateContent>
-        <mc:AlternateContent xmlns:mc="http://schemas.openxmlformats.org/markup-compatibility/2006">
-          <mc:Choice xmlns:a14="http://schemas.microsoft.com/office/drawing/2010/main" Requires="a14">
+        <mc:AlternateContent xmlns:mc="http://schemas.openxmlformats.org/markup-compatibility/2006" xmlns:a14="http://schemas.microsoft.com/office/drawing/2010/main">
+          <mc:Choice Requires="a14">
             <p:sp>
               <p:nvSpPr>
                 <p:cNvPr id="7" name="Rectangle 6">
@@ -12045,7 +11863,7 @@
               </p:txBody>
             </p:sp>
           </mc:Choice>
-          <mc:Fallback>
+          <mc:Fallback xmlns="">
             <p:sp>
               <p:nvSpPr>
                 <p:cNvPr id="7" name="Rectangle 6">
@@ -12095,8 +11913,8 @@
             </p:sp>
           </mc:Fallback>
         </mc:AlternateContent>
-        <mc:AlternateContent xmlns:mc="http://schemas.openxmlformats.org/markup-compatibility/2006">
-          <mc:Choice xmlns:a14="http://schemas.microsoft.com/office/drawing/2010/main" Requires="a14">
+        <mc:AlternateContent xmlns:mc="http://schemas.openxmlformats.org/markup-compatibility/2006" xmlns:a14="http://schemas.microsoft.com/office/drawing/2010/main">
+          <mc:Choice Requires="a14">
             <p:sp>
               <p:nvSpPr>
                 <p:cNvPr id="8" name="Rectangle 7">
@@ -12197,7 +12015,7 @@
               </p:txBody>
             </p:sp>
           </mc:Choice>
-          <mc:Fallback>
+          <mc:Fallback xmlns="">
             <p:sp>
               <p:nvSpPr>
                 <p:cNvPr id="8" name="Rectangle 7">
@@ -12370,8 +12188,8 @@
             </a:fontRef>
           </p:style>
         </p:cxnSp>
-        <mc:AlternateContent xmlns:mc="http://schemas.openxmlformats.org/markup-compatibility/2006">
-          <mc:Choice xmlns:a14="http://schemas.microsoft.com/office/drawing/2010/main" Requires="a14">
+        <mc:AlternateContent xmlns:mc="http://schemas.openxmlformats.org/markup-compatibility/2006" xmlns:a14="http://schemas.microsoft.com/office/drawing/2010/main">
+          <mc:Choice Requires="a14">
             <p:sp>
               <p:nvSpPr>
                 <p:cNvPr id="12" name="Rectangle 11">
@@ -12474,7 +12292,7 @@
               </p:txBody>
             </p:sp>
           </mc:Choice>
-          <mc:Fallback>
+          <mc:Fallback xmlns="">
             <p:sp>
               <p:nvSpPr>
                 <p:cNvPr id="12" name="Rectangle 11">
@@ -12522,8 +12340,8 @@
             </p:sp>
           </mc:Fallback>
         </mc:AlternateContent>
-        <mc:AlternateContent xmlns:mc="http://schemas.openxmlformats.org/markup-compatibility/2006">
-          <mc:Choice xmlns:a14="http://schemas.microsoft.com/office/drawing/2010/main" Requires="a14">
+        <mc:AlternateContent xmlns:mc="http://schemas.openxmlformats.org/markup-compatibility/2006" xmlns:a14="http://schemas.microsoft.com/office/drawing/2010/main">
+          <mc:Choice Requires="a14">
             <p:sp>
               <p:nvSpPr>
                 <p:cNvPr id="13" name="Rectangle 12">
@@ -12664,7 +12482,7 @@
               </p:txBody>
             </p:sp>
           </mc:Choice>
-          <mc:Fallback>
+          <mc:Fallback xmlns="">
             <p:sp>
               <p:nvSpPr>
                 <p:cNvPr id="13" name="Rectangle 12">
@@ -12713,8 +12531,8 @@
           </mc:Fallback>
         </mc:AlternateContent>
       </p:grpSp>
-      <mc:AlternateContent xmlns:mc="http://schemas.openxmlformats.org/markup-compatibility/2006">
-        <mc:Choice xmlns:a14="http://schemas.microsoft.com/office/drawing/2010/main" Requires="a14">
+      <mc:AlternateContent xmlns:mc="http://schemas.openxmlformats.org/markup-compatibility/2006" xmlns:a14="http://schemas.microsoft.com/office/drawing/2010/main">
+        <mc:Choice Requires="a14">
           <p:sp>
             <p:nvSpPr>
               <p:cNvPr id="15" name="Rectangle 14">
@@ -12831,7 +12649,7 @@
             </p:txBody>
           </p:sp>
         </mc:Choice>
-        <mc:Fallback>
+        <mc:Fallback xmlns="">
           <p:sp>
             <p:nvSpPr>
               <p:cNvPr id="15" name="Rectangle 14">
@@ -12879,8 +12697,8 @@
           </p:sp>
         </mc:Fallback>
       </mc:AlternateContent>
-      <mc:AlternateContent xmlns:mc="http://schemas.openxmlformats.org/markup-compatibility/2006">
-        <mc:Choice xmlns:a14="http://schemas.microsoft.com/office/drawing/2010/main" Requires="a14">
+      <mc:AlternateContent xmlns:mc="http://schemas.openxmlformats.org/markup-compatibility/2006" xmlns:a14="http://schemas.microsoft.com/office/drawing/2010/main">
+        <mc:Choice Requires="a14">
           <p:sp>
             <p:nvSpPr>
               <p:cNvPr id="17" name="Rectangle 16">
@@ -12997,7 +12815,7 @@
             </p:txBody>
           </p:sp>
         </mc:Choice>
-        <mc:Fallback>
+        <mc:Fallback xmlns="">
           <p:sp>
             <p:nvSpPr>
               <p:cNvPr id="17" name="Rectangle 16">
@@ -16552,8 +16370,8 @@
           </a:prstGeom>
         </p:spPr>
       </p:pic>
-      <mc:AlternateContent xmlns:mc="http://schemas.openxmlformats.org/markup-compatibility/2006">
-        <mc:Choice xmlns:a14="http://schemas.microsoft.com/office/drawing/2010/main" Requires="a14">
+      <mc:AlternateContent xmlns:mc="http://schemas.openxmlformats.org/markup-compatibility/2006" xmlns:a14="http://schemas.microsoft.com/office/drawing/2010/main">
+        <mc:Choice Requires="a14">
           <p:sp>
             <p:nvSpPr>
               <p:cNvPr id="12" name="Rectangle 11">
@@ -16806,7 +16624,7 @@
             </p:txBody>
           </p:sp>
         </mc:Choice>
-        <mc:Fallback>
+        <mc:Fallback xmlns="">
           <p:sp>
             <p:nvSpPr>
               <p:cNvPr id="12" name="Rectangle 11">
@@ -16856,8 +16674,8 @@
           </p:sp>
         </mc:Fallback>
       </mc:AlternateContent>
-      <mc:AlternateContent xmlns:mc="http://schemas.openxmlformats.org/markup-compatibility/2006">
-        <mc:Choice xmlns:a14="http://schemas.microsoft.com/office/drawing/2010/main" Requires="a14">
+      <mc:AlternateContent xmlns:mc="http://schemas.openxmlformats.org/markup-compatibility/2006" xmlns:a14="http://schemas.microsoft.com/office/drawing/2010/main">
+        <mc:Choice Requires="a14">
           <p:sp>
             <p:nvSpPr>
               <p:cNvPr id="13" name="Rectangle 12">
@@ -17110,7 +16928,7 @@
             </p:txBody>
           </p:sp>
         </mc:Choice>
-        <mc:Fallback>
+        <mc:Fallback xmlns="">
           <p:sp>
             <p:nvSpPr>
               <p:cNvPr id="13" name="Rectangle 12">
@@ -17160,8 +16978,8 @@
           </p:sp>
         </mc:Fallback>
       </mc:AlternateContent>
-      <mc:AlternateContent xmlns:mc="http://schemas.openxmlformats.org/markup-compatibility/2006">
-        <mc:Choice xmlns:a14="http://schemas.microsoft.com/office/drawing/2010/main" Requires="a14">
+      <mc:AlternateContent xmlns:mc="http://schemas.openxmlformats.org/markup-compatibility/2006" xmlns:a14="http://schemas.microsoft.com/office/drawing/2010/main">
+        <mc:Choice Requires="a14">
           <p:sp>
             <p:nvSpPr>
               <p:cNvPr id="29" name="Rectangle 28">
@@ -17271,7 +17089,7 @@
             </p:txBody>
           </p:sp>
         </mc:Choice>
-        <mc:Fallback>
+        <mc:Fallback xmlns="">
           <p:sp>
             <p:nvSpPr>
               <p:cNvPr id="29" name="Rectangle 28">
@@ -17553,8 +17371,8 @@
           </a:prstGeom>
         </p:spPr>
       </p:pic>
-      <mc:AlternateContent xmlns:mc="http://schemas.openxmlformats.org/markup-compatibility/2006">
-        <mc:Choice xmlns:a14="http://schemas.microsoft.com/office/drawing/2010/main" Requires="a14">
+      <mc:AlternateContent xmlns:mc="http://schemas.openxmlformats.org/markup-compatibility/2006" xmlns:a14="http://schemas.microsoft.com/office/drawing/2010/main">
+        <mc:Choice Requires="a14">
           <p:sp>
             <p:nvSpPr>
               <p:cNvPr id="15" name="Rectangle 14">
@@ -17807,7 +17625,7 @@
             </p:txBody>
           </p:sp>
         </mc:Choice>
-        <mc:Fallback>
+        <mc:Fallback xmlns="">
           <p:sp>
             <p:nvSpPr>
               <p:cNvPr id="15" name="Rectangle 14">
@@ -17857,8 +17675,8 @@
           </p:sp>
         </mc:Fallback>
       </mc:AlternateContent>
-      <mc:AlternateContent xmlns:mc="http://schemas.openxmlformats.org/markup-compatibility/2006">
-        <mc:Choice xmlns:a14="http://schemas.microsoft.com/office/drawing/2010/main" Requires="a14">
+      <mc:AlternateContent xmlns:mc="http://schemas.openxmlformats.org/markup-compatibility/2006" xmlns:a14="http://schemas.microsoft.com/office/drawing/2010/main">
+        <mc:Choice Requires="a14">
           <p:sp>
             <p:nvSpPr>
               <p:cNvPr id="16" name="Rectangle 15">
@@ -18111,7 +17929,7 @@
             </p:txBody>
           </p:sp>
         </mc:Choice>
-        <mc:Fallback>
+        <mc:Fallback xmlns="">
           <p:sp>
             <p:nvSpPr>
               <p:cNvPr id="16" name="Rectangle 15">
@@ -18161,8 +17979,8 @@
           </p:sp>
         </mc:Fallback>
       </mc:AlternateContent>
-      <mc:AlternateContent xmlns:mc="http://schemas.openxmlformats.org/markup-compatibility/2006">
-        <mc:Choice xmlns:a14="http://schemas.microsoft.com/office/drawing/2010/main" Requires="a14">
+      <mc:AlternateContent xmlns:mc="http://schemas.openxmlformats.org/markup-compatibility/2006" xmlns:a14="http://schemas.microsoft.com/office/drawing/2010/main">
+        <mc:Choice Requires="a14">
           <p:sp>
             <p:nvSpPr>
               <p:cNvPr id="17" name="Rectangle 16">
@@ -18263,7 +18081,7 @@
             </p:txBody>
           </p:sp>
         </mc:Choice>
-        <mc:Fallback>
+        <mc:Fallback xmlns="">
           <p:sp>
             <p:nvSpPr>
               <p:cNvPr id="17" name="Rectangle 16">
